--- a/final project.pptx
+++ b/final project.pptx
@@ -11,13 +11,11 @@
     <p:sldId id="260" r:id="rId5"/>
     <p:sldId id="263" r:id="rId6"/>
     <p:sldId id="261" r:id="rId7"/>
-    <p:sldId id="268" r:id="rId8"/>
-    <p:sldId id="269" r:id="rId9"/>
-    <p:sldId id="262" r:id="rId10"/>
-    <p:sldId id="267" r:id="rId11"/>
-    <p:sldId id="265" r:id="rId12"/>
-    <p:sldId id="264" r:id="rId13"/>
-    <p:sldId id="266" r:id="rId14"/>
+    <p:sldId id="262" r:id="rId8"/>
+    <p:sldId id="268" r:id="rId9"/>
+    <p:sldId id="267" r:id="rId10"/>
+    <p:sldId id="265" r:id="rId11"/>
+    <p:sldId id="264" r:id="rId12"/>
   </p:sldIdLst>
   <p:sldSz cx="12192000" cy="6858000"/>
   <p:notesSz cx="6858000" cy="9144000"/>
@@ -7747,7 +7745,7 @@
           <a:bodyPr/>
           <a:lstStyle/>
           <a:p>
-            <a:endParaRPr lang="en-US"/>
+            <a:endParaRPr lang="en-US" dirty="0"/>
           </a:p>
         </p:txBody>
       </p:sp>
@@ -7766,7 +7764,7 @@
           <a:bodyPr/>
           <a:lstStyle/>
           <a:p>
-            <a:endParaRPr lang="en-US"/>
+            <a:endParaRPr lang="en-US" dirty="0"/>
           </a:p>
         </p:txBody>
       </p:sp>
@@ -7786,8 +7784,8 @@
         </p:blipFill>
         <p:spPr>
           <a:xfrm>
-            <a:off x="1955228" y="624110"/>
-            <a:ext cx="6359716" cy="5794675"/>
+            <a:off x="2589212" y="1413301"/>
+            <a:ext cx="6023157" cy="5218219"/>
           </a:xfrm>
           <a:prstGeom prst="rect">
             <a:avLst/>
@@ -7797,7 +7795,7 @@
     </p:spTree>
     <p:extLst>
       <p:ext uri="{BB962C8B-B14F-4D97-AF65-F5344CB8AC3E}">
-        <p14:creationId xmlns:p14="http://schemas.microsoft.com/office/powerpoint/2010/main" val="2363383742"/>
+        <p14:creationId xmlns:p14="http://schemas.microsoft.com/office/powerpoint/2010/main" val="2092093469"/>
       </p:ext>
     </p:extLst>
   </p:cSld>
@@ -7871,105 +7869,6 @@
       </p:sp>
       <p:pic>
         <p:nvPicPr>
-          <p:cNvPr id="4" name="Picture 3"/>
-          <p:cNvPicPr>
-            <a:picLocks noChangeAspect="1"/>
-          </p:cNvPicPr>
-          <p:nvPr/>
-        </p:nvPicPr>
-        <p:blipFill>
-          <a:blip r:embed="rId2"/>
-          <a:stretch>
-            <a:fillRect/>
-          </a:stretch>
-        </p:blipFill>
-        <p:spPr>
-          <a:xfrm>
-            <a:off x="2589212" y="1413301"/>
-            <a:ext cx="6023157" cy="5218219"/>
-          </a:xfrm>
-          <a:prstGeom prst="rect">
-            <a:avLst/>
-          </a:prstGeom>
-        </p:spPr>
-      </p:pic>
-    </p:spTree>
-    <p:extLst>
-      <p:ext uri="{BB962C8B-B14F-4D97-AF65-F5344CB8AC3E}">
-        <p14:creationId xmlns:p14="http://schemas.microsoft.com/office/powerpoint/2010/main" val="2092093469"/>
-      </p:ext>
-    </p:extLst>
-  </p:cSld>
-  <p:clrMapOvr>
-    <a:masterClrMapping/>
-  </p:clrMapOvr>
-  <p:timing>
-    <p:tnLst>
-      <p:par>
-        <p:cTn id="1" dur="indefinite" restart="never" nodeType="tmRoot"/>
-      </p:par>
-    </p:tnLst>
-  </p:timing>
-</p:sld>
-</file>
-
-<file path=ppt/slides/slide12.xml><?xml version="1.0" encoding="utf-8"?>
-<p:sld xmlns:a="http://schemas.openxmlformats.org/drawingml/2006/main" xmlns:r="http://schemas.openxmlformats.org/officeDocument/2006/relationships" xmlns:p="http://schemas.openxmlformats.org/presentationml/2006/main">
-  <p:cSld>
-    <p:spTree>
-      <p:nvGrpSpPr>
-        <p:cNvPr id="1" name=""/>
-        <p:cNvGrpSpPr/>
-        <p:nvPr/>
-      </p:nvGrpSpPr>
-      <p:grpSpPr>
-        <a:xfrm>
-          <a:off x="0" y="0"/>
-          <a:ext cx="0" cy="0"/>
-          <a:chOff x="0" y="0"/>
-          <a:chExt cx="0" cy="0"/>
-        </a:xfrm>
-      </p:grpSpPr>
-      <p:sp>
-        <p:nvSpPr>
-          <p:cNvPr id="2" name="Title 1"/>
-          <p:cNvSpPr>
-            <a:spLocks noGrp="1"/>
-          </p:cNvSpPr>
-          <p:nvPr>
-            <p:ph type="title"/>
-          </p:nvPr>
-        </p:nvSpPr>
-        <p:spPr/>
-        <p:txBody>
-          <a:bodyPr/>
-          <a:lstStyle/>
-          <a:p>
-            <a:endParaRPr lang="en-US" dirty="0"/>
-          </a:p>
-        </p:txBody>
-      </p:sp>
-      <p:sp>
-        <p:nvSpPr>
-          <p:cNvPr id="3" name="Content Placeholder 2"/>
-          <p:cNvSpPr>
-            <a:spLocks noGrp="1"/>
-          </p:cNvSpPr>
-          <p:nvPr>
-            <p:ph idx="1"/>
-          </p:nvPr>
-        </p:nvSpPr>
-        <p:spPr/>
-        <p:txBody>
-          <a:bodyPr/>
-          <a:lstStyle/>
-          <a:p>
-            <a:endParaRPr lang="en-US" dirty="0"/>
-          </a:p>
-        </p:txBody>
-      </p:sp>
-      <p:pic>
-        <p:nvPicPr>
           <p:cNvPr id="5" name="Picture 4"/>
           <p:cNvPicPr>
             <a:picLocks noChangeAspect="1"/>
@@ -7996,85 +7895,6 @@
     <p:extLst>
       <p:ext uri="{BB962C8B-B14F-4D97-AF65-F5344CB8AC3E}">
         <p14:creationId xmlns:p14="http://schemas.microsoft.com/office/powerpoint/2010/main" val="463487807"/>
-      </p:ext>
-    </p:extLst>
-  </p:cSld>
-  <p:clrMapOvr>
-    <a:masterClrMapping/>
-  </p:clrMapOvr>
-  <p:timing>
-    <p:tnLst>
-      <p:par>
-        <p:cTn id="1" dur="indefinite" restart="never" nodeType="tmRoot"/>
-      </p:par>
-    </p:tnLst>
-  </p:timing>
-</p:sld>
-</file>
-
-<file path=ppt/slides/slide13.xml><?xml version="1.0" encoding="utf-8"?>
-<p:sld xmlns:a="http://schemas.openxmlformats.org/drawingml/2006/main" xmlns:r="http://schemas.openxmlformats.org/officeDocument/2006/relationships" xmlns:p="http://schemas.openxmlformats.org/presentationml/2006/main">
-  <p:cSld>
-    <p:spTree>
-      <p:nvGrpSpPr>
-        <p:cNvPr id="1" name=""/>
-        <p:cNvGrpSpPr/>
-        <p:nvPr/>
-      </p:nvGrpSpPr>
-      <p:grpSpPr>
-        <a:xfrm>
-          <a:off x="0" y="0"/>
-          <a:ext cx="0" cy="0"/>
-          <a:chOff x="0" y="0"/>
-          <a:chExt cx="0" cy="0"/>
-        </a:xfrm>
-      </p:grpSpPr>
-      <p:sp>
-        <p:nvSpPr>
-          <p:cNvPr id="2" name="Title 1"/>
-          <p:cNvSpPr>
-            <a:spLocks noGrp="1"/>
-          </p:cNvSpPr>
-          <p:nvPr>
-            <p:ph type="title"/>
-          </p:nvPr>
-        </p:nvSpPr>
-        <p:spPr/>
-        <p:txBody>
-          <a:bodyPr/>
-          <a:lstStyle/>
-          <a:p>
-            <a:r>
-              <a:rPr lang="en-US" dirty="0" smtClean="0"/>
-              <a:t>Thank you!</a:t>
-            </a:r>
-            <a:endParaRPr lang="en-US" dirty="0"/>
-          </a:p>
-        </p:txBody>
-      </p:sp>
-      <p:sp>
-        <p:nvSpPr>
-          <p:cNvPr id="3" name="Content Placeholder 2"/>
-          <p:cNvSpPr>
-            <a:spLocks noGrp="1"/>
-          </p:cNvSpPr>
-          <p:nvPr>
-            <p:ph idx="1"/>
-          </p:nvPr>
-        </p:nvSpPr>
-        <p:spPr/>
-        <p:txBody>
-          <a:bodyPr/>
-          <a:lstStyle/>
-          <a:p>
-            <a:endParaRPr lang="en-US"/>
-          </a:p>
-        </p:txBody>
-      </p:sp>
-    </p:spTree>
-    <p:extLst>
-      <p:ext uri="{BB962C8B-B14F-4D97-AF65-F5344CB8AC3E}">
-        <p14:creationId xmlns:p14="http://schemas.microsoft.com/office/powerpoint/2010/main" val="1899352892"/>
       </p:ext>
     </p:extLst>
   </p:cSld>
@@ -9907,11 +9727,7 @@
           <a:p>
             <a:r>
               <a:rPr lang="en-US" dirty="0" smtClean="0"/>
-              <a:t>Accuracy on </a:t>
-            </a:r>
-            <a:r>
-              <a:rPr lang="en-US" dirty="0" smtClean="0"/>
-              <a:t>train and test data</a:t>
+              <a:t>Accuracy on train and test data</a:t>
             </a:r>
             <a:endParaRPr lang="en-US" dirty="0"/>
           </a:p>
@@ -10055,190 +9871,6 @@
 </file>
 
 <file path=ppt/slides/slide7.xml><?xml version="1.0" encoding="utf-8"?>
-<p:sld xmlns:a="http://schemas.openxmlformats.org/drawingml/2006/main" xmlns:r="http://schemas.openxmlformats.org/officeDocument/2006/relationships" xmlns:p="http://schemas.openxmlformats.org/presentationml/2006/main">
-  <p:cSld>
-    <p:spTree>
-      <p:nvGrpSpPr>
-        <p:cNvPr id="1" name=""/>
-        <p:cNvGrpSpPr/>
-        <p:nvPr/>
-      </p:nvGrpSpPr>
-      <p:grpSpPr>
-        <a:xfrm>
-          <a:off x="0" y="0"/>
-          <a:ext cx="0" cy="0"/>
-          <a:chOff x="0" y="0"/>
-          <a:chExt cx="0" cy="0"/>
-        </a:xfrm>
-      </p:grpSpPr>
-      <p:sp>
-        <p:nvSpPr>
-          <p:cNvPr id="2" name="Title 1"/>
-          <p:cNvSpPr>
-            <a:spLocks noGrp="1"/>
-          </p:cNvSpPr>
-          <p:nvPr>
-            <p:ph type="title"/>
-          </p:nvPr>
-        </p:nvSpPr>
-        <p:spPr/>
-        <p:txBody>
-          <a:bodyPr/>
-          <a:lstStyle/>
-          <a:p>
-            <a:endParaRPr lang="en-US"/>
-          </a:p>
-        </p:txBody>
-      </p:sp>
-      <p:sp>
-        <p:nvSpPr>
-          <p:cNvPr id="3" name="Content Placeholder 2"/>
-          <p:cNvSpPr>
-            <a:spLocks noGrp="1"/>
-          </p:cNvSpPr>
-          <p:nvPr>
-            <p:ph idx="1"/>
-          </p:nvPr>
-        </p:nvSpPr>
-        <p:spPr/>
-        <p:txBody>
-          <a:bodyPr/>
-          <a:lstStyle/>
-          <a:p>
-            <a:endParaRPr lang="en-US"/>
-          </a:p>
-        </p:txBody>
-      </p:sp>
-      <p:pic>
-        <p:nvPicPr>
-          <p:cNvPr id="4" name="Picture 3"/>
-          <p:cNvPicPr>
-            <a:picLocks noChangeAspect="1"/>
-          </p:cNvPicPr>
-          <p:nvPr/>
-        </p:nvPicPr>
-        <p:blipFill>
-          <a:blip r:embed="rId2"/>
-          <a:stretch>
-            <a:fillRect/>
-          </a:stretch>
-        </p:blipFill>
-        <p:spPr>
-          <a:xfrm>
-            <a:off x="1098573" y="2133600"/>
-            <a:ext cx="4753588" cy="3842393"/>
-          </a:xfrm>
-          <a:prstGeom prst="rect">
-            <a:avLst/>
-          </a:prstGeom>
-        </p:spPr>
-      </p:pic>
-      <p:pic>
-        <p:nvPicPr>
-          <p:cNvPr id="5" name="Picture 4"/>
-          <p:cNvPicPr>
-            <a:picLocks noChangeAspect="1"/>
-          </p:cNvPicPr>
-          <p:nvPr/>
-        </p:nvPicPr>
-        <p:blipFill>
-          <a:blip r:embed="rId3"/>
-          <a:stretch>
-            <a:fillRect/>
-          </a:stretch>
-        </p:blipFill>
-        <p:spPr>
-          <a:xfrm>
-            <a:off x="6146672" y="2976943"/>
-            <a:ext cx="4851161" cy="2326577"/>
-          </a:xfrm>
-          <a:prstGeom prst="rect">
-            <a:avLst/>
-          </a:prstGeom>
-        </p:spPr>
-      </p:pic>
-    </p:spTree>
-    <p:extLst>
-      <p:ext uri="{BB962C8B-B14F-4D97-AF65-F5344CB8AC3E}">
-        <p14:creationId xmlns:p14="http://schemas.microsoft.com/office/powerpoint/2010/main" val="3662504572"/>
-      </p:ext>
-    </p:extLst>
-  </p:cSld>
-  <p:clrMapOvr>
-    <a:masterClrMapping/>
-  </p:clrMapOvr>
-</p:sld>
-</file>
-
-<file path=ppt/slides/slide8.xml><?xml version="1.0" encoding="utf-8"?>
-<p:sld xmlns:a="http://schemas.openxmlformats.org/drawingml/2006/main" xmlns:r="http://schemas.openxmlformats.org/officeDocument/2006/relationships" xmlns:p="http://schemas.openxmlformats.org/presentationml/2006/main">
-  <p:cSld>
-    <p:spTree>
-      <p:nvGrpSpPr>
-        <p:cNvPr id="1" name=""/>
-        <p:cNvGrpSpPr/>
-        <p:nvPr/>
-      </p:nvGrpSpPr>
-      <p:grpSpPr>
-        <a:xfrm>
-          <a:off x="0" y="0"/>
-          <a:ext cx="0" cy="0"/>
-          <a:chOff x="0" y="0"/>
-          <a:chExt cx="0" cy="0"/>
-        </a:xfrm>
-      </p:grpSpPr>
-      <p:sp>
-        <p:nvSpPr>
-          <p:cNvPr id="2" name="Title 1"/>
-          <p:cNvSpPr>
-            <a:spLocks noGrp="1"/>
-          </p:cNvSpPr>
-          <p:nvPr>
-            <p:ph type="title"/>
-          </p:nvPr>
-        </p:nvSpPr>
-        <p:spPr/>
-        <p:txBody>
-          <a:bodyPr/>
-          <a:lstStyle/>
-          <a:p>
-            <a:endParaRPr lang="en-US"/>
-          </a:p>
-        </p:txBody>
-      </p:sp>
-      <p:sp>
-        <p:nvSpPr>
-          <p:cNvPr id="3" name="Content Placeholder 2"/>
-          <p:cNvSpPr>
-            <a:spLocks noGrp="1"/>
-          </p:cNvSpPr>
-          <p:nvPr>
-            <p:ph idx="1"/>
-          </p:nvPr>
-        </p:nvSpPr>
-        <p:spPr/>
-        <p:txBody>
-          <a:bodyPr/>
-          <a:lstStyle/>
-          <a:p>
-            <a:endParaRPr lang="en-US"/>
-          </a:p>
-        </p:txBody>
-      </p:sp>
-    </p:spTree>
-    <p:extLst>
-      <p:ext uri="{BB962C8B-B14F-4D97-AF65-F5344CB8AC3E}">
-        <p14:creationId xmlns:p14="http://schemas.microsoft.com/office/powerpoint/2010/main" val="1215233842"/>
-      </p:ext>
-    </p:extLst>
-  </p:cSld>
-  <p:clrMapOvr>
-    <a:masterClrMapping/>
-  </p:clrMapOvr>
-</p:sld>
-</file>
-
-<file path=ppt/slides/slide9.xml><?xml version="1.0" encoding="utf-8"?>
 <p:sld xmlns:a="http://schemas.openxmlformats.org/drawingml/2006/main" xmlns:r="http://schemas.openxmlformats.org/officeDocument/2006/relationships" xmlns:p="http://schemas.openxmlformats.org/presentationml/2006/main">
   <p:cSld>
     <p:spTree>
@@ -11103,6 +10735,221 @@
 </p:sld>
 </file>
 
+<file path=ppt/slides/slide8.xml><?xml version="1.0" encoding="utf-8"?>
+<p:sld xmlns:a="http://schemas.openxmlformats.org/drawingml/2006/main" xmlns:r="http://schemas.openxmlformats.org/officeDocument/2006/relationships" xmlns:p="http://schemas.openxmlformats.org/presentationml/2006/main">
+  <p:cSld>
+    <p:spTree>
+      <p:nvGrpSpPr>
+        <p:cNvPr id="1" name=""/>
+        <p:cNvGrpSpPr/>
+        <p:nvPr/>
+      </p:nvGrpSpPr>
+      <p:grpSpPr>
+        <a:xfrm>
+          <a:off x="0" y="0"/>
+          <a:ext cx="0" cy="0"/>
+          <a:chOff x="0" y="0"/>
+          <a:chExt cx="0" cy="0"/>
+        </a:xfrm>
+      </p:grpSpPr>
+      <p:sp>
+        <p:nvSpPr>
+          <p:cNvPr id="2" name="Title 1"/>
+          <p:cNvSpPr>
+            <a:spLocks noGrp="1"/>
+          </p:cNvSpPr>
+          <p:nvPr>
+            <p:ph type="title"/>
+          </p:nvPr>
+        </p:nvSpPr>
+        <p:spPr/>
+        <p:txBody>
+          <a:bodyPr/>
+          <a:lstStyle/>
+          <a:p>
+            <a:endParaRPr lang="en-US"/>
+          </a:p>
+        </p:txBody>
+      </p:sp>
+      <p:sp>
+        <p:nvSpPr>
+          <p:cNvPr id="3" name="Content Placeholder 2"/>
+          <p:cNvSpPr>
+            <a:spLocks noGrp="1"/>
+          </p:cNvSpPr>
+          <p:nvPr>
+            <p:ph idx="1"/>
+          </p:nvPr>
+        </p:nvSpPr>
+        <p:spPr/>
+        <p:txBody>
+          <a:bodyPr/>
+          <a:lstStyle/>
+          <a:p>
+            <a:endParaRPr lang="en-US"/>
+          </a:p>
+        </p:txBody>
+      </p:sp>
+      <p:pic>
+        <p:nvPicPr>
+          <p:cNvPr id="5" name="Picture 4"/>
+          <p:cNvPicPr>
+            <a:picLocks noChangeAspect="1"/>
+          </p:cNvPicPr>
+          <p:nvPr/>
+        </p:nvPicPr>
+        <p:blipFill>
+          <a:blip r:embed="rId2"/>
+          <a:stretch>
+            <a:fillRect/>
+          </a:stretch>
+        </p:blipFill>
+        <p:spPr>
+          <a:xfrm>
+            <a:off x="6146672" y="2976943"/>
+            <a:ext cx="4851161" cy="2326577"/>
+          </a:xfrm>
+          <a:prstGeom prst="rect">
+            <a:avLst/>
+          </a:prstGeom>
+        </p:spPr>
+      </p:pic>
+      <p:pic>
+        <p:nvPicPr>
+          <p:cNvPr id="6" name="Picture 5"/>
+          <p:cNvPicPr>
+            <a:picLocks noChangeAspect="1"/>
+          </p:cNvPicPr>
+          <p:nvPr/>
+        </p:nvPicPr>
+        <p:blipFill>
+          <a:blip r:embed="rId3"/>
+          <a:stretch>
+            <a:fillRect/>
+          </a:stretch>
+        </p:blipFill>
+        <p:spPr>
+          <a:xfrm>
+            <a:off x="732813" y="2068829"/>
+            <a:ext cx="4753588" cy="3842393"/>
+          </a:xfrm>
+          <a:prstGeom prst="rect">
+            <a:avLst/>
+          </a:prstGeom>
+        </p:spPr>
+      </p:pic>
+    </p:spTree>
+    <p:extLst>
+      <p:ext uri="{BB962C8B-B14F-4D97-AF65-F5344CB8AC3E}">
+        <p14:creationId xmlns:p14="http://schemas.microsoft.com/office/powerpoint/2010/main" val="3662504572"/>
+      </p:ext>
+    </p:extLst>
+  </p:cSld>
+  <p:clrMapOvr>
+    <a:masterClrMapping/>
+  </p:clrMapOvr>
+</p:sld>
+</file>
+
+<file path=ppt/slides/slide9.xml><?xml version="1.0" encoding="utf-8"?>
+<p:sld xmlns:a="http://schemas.openxmlformats.org/drawingml/2006/main" xmlns:r="http://schemas.openxmlformats.org/officeDocument/2006/relationships" xmlns:p="http://schemas.openxmlformats.org/presentationml/2006/main">
+  <p:cSld>
+    <p:spTree>
+      <p:nvGrpSpPr>
+        <p:cNvPr id="1" name=""/>
+        <p:cNvGrpSpPr/>
+        <p:nvPr/>
+      </p:nvGrpSpPr>
+      <p:grpSpPr>
+        <a:xfrm>
+          <a:off x="0" y="0"/>
+          <a:ext cx="0" cy="0"/>
+          <a:chOff x="0" y="0"/>
+          <a:chExt cx="0" cy="0"/>
+        </a:xfrm>
+      </p:grpSpPr>
+      <p:sp>
+        <p:nvSpPr>
+          <p:cNvPr id="2" name="Title 1"/>
+          <p:cNvSpPr>
+            <a:spLocks noGrp="1"/>
+          </p:cNvSpPr>
+          <p:nvPr>
+            <p:ph type="title"/>
+          </p:nvPr>
+        </p:nvSpPr>
+        <p:spPr/>
+        <p:txBody>
+          <a:bodyPr/>
+          <a:lstStyle/>
+          <a:p>
+            <a:endParaRPr lang="en-US"/>
+          </a:p>
+        </p:txBody>
+      </p:sp>
+      <p:sp>
+        <p:nvSpPr>
+          <p:cNvPr id="3" name="Content Placeholder 2"/>
+          <p:cNvSpPr>
+            <a:spLocks noGrp="1"/>
+          </p:cNvSpPr>
+          <p:nvPr>
+            <p:ph idx="1"/>
+          </p:nvPr>
+        </p:nvSpPr>
+        <p:spPr/>
+        <p:txBody>
+          <a:bodyPr/>
+          <a:lstStyle/>
+          <a:p>
+            <a:endParaRPr lang="en-US"/>
+          </a:p>
+        </p:txBody>
+      </p:sp>
+      <p:pic>
+        <p:nvPicPr>
+          <p:cNvPr id="4" name="Picture 3"/>
+          <p:cNvPicPr>
+            <a:picLocks noChangeAspect="1"/>
+          </p:cNvPicPr>
+          <p:nvPr/>
+        </p:nvPicPr>
+        <p:blipFill>
+          <a:blip r:embed="rId2"/>
+          <a:stretch>
+            <a:fillRect/>
+          </a:stretch>
+        </p:blipFill>
+        <p:spPr>
+          <a:xfrm>
+            <a:off x="1955228" y="624110"/>
+            <a:ext cx="6359716" cy="5794675"/>
+          </a:xfrm>
+          <a:prstGeom prst="rect">
+            <a:avLst/>
+          </a:prstGeom>
+        </p:spPr>
+      </p:pic>
+    </p:spTree>
+    <p:extLst>
+      <p:ext uri="{BB962C8B-B14F-4D97-AF65-F5344CB8AC3E}">
+        <p14:creationId xmlns:p14="http://schemas.microsoft.com/office/powerpoint/2010/main" val="2363383742"/>
+      </p:ext>
+    </p:extLst>
+  </p:cSld>
+  <p:clrMapOvr>
+    <a:masterClrMapping/>
+  </p:clrMapOvr>
+  <p:timing>
+    <p:tnLst>
+      <p:par>
+        <p:cTn id="1" dur="indefinite" restart="never" nodeType="tmRoot"/>
+      </p:par>
+    </p:tnLst>
+  </p:timing>
+</p:sld>
+</file>
+
 <file path=ppt/theme/theme1.xml><?xml version="1.0" encoding="utf-8"?>
 <a:theme xmlns:a="http://schemas.openxmlformats.org/drawingml/2006/main" name="Wisp">
   <a:themeElements>

--- a/final project.pptx
+++ b/final project.pptx
@@ -11,11 +11,12 @@
     <p:sldId id="260" r:id="rId5"/>
     <p:sldId id="263" r:id="rId6"/>
     <p:sldId id="261" r:id="rId7"/>
-    <p:sldId id="262" r:id="rId8"/>
-    <p:sldId id="268" r:id="rId9"/>
+    <p:sldId id="268" r:id="rId8"/>
+    <p:sldId id="262" r:id="rId9"/>
     <p:sldId id="267" r:id="rId10"/>
     <p:sldId id="265" r:id="rId11"/>
     <p:sldId id="264" r:id="rId12"/>
+    <p:sldId id="269" r:id="rId13"/>
   </p:sldIdLst>
   <p:sldSz cx="12192000" cy="6858000"/>
   <p:notesSz cx="6858000" cy="9144000"/>
@@ -7647,8 +7648,8 @@
         </p:nvSpPr>
         <p:spPr>
           <a:xfrm>
-            <a:off x="2320272" y="1169894"/>
-            <a:ext cx="8915399" cy="2262781"/>
+            <a:off x="905999" y="1023590"/>
+            <a:ext cx="10477589" cy="2262781"/>
           </a:xfrm>
         </p:spPr>
         <p:txBody>
@@ -7659,9 +7660,39 @@
           <a:p>
             <a:r>
               <a:rPr lang="en-US" sz="4400" b="1" dirty="0" smtClean="0"/>
-              <a:t>Qualitative Activity Recognition of Weight lifting Exercise	</a:t>
-            </a:r>
-            <a:endParaRPr lang="en-US" sz="4400" b="1" dirty="0"/>
+              <a:t>Qualitative Activity Recognition</a:t>
+            </a:r>
+            <a:br>
+              <a:rPr lang="en-US" sz="4400" b="1" dirty="0" smtClean="0"/>
+            </a:br>
+            <a:r>
+              <a:rPr lang="en-US" sz="4400" b="1" dirty="0" smtClean="0"/>
+              <a:t>       - </a:t>
+            </a:r>
+            <a:r>
+              <a:rPr lang="en-US" sz="2400" b="1" dirty="0" smtClean="0">
+                <a:solidFill>
+                  <a:schemeClr val="tx1">
+                    <a:lumMod val="95000"/>
+                    <a:lumOff val="5000"/>
+                  </a:schemeClr>
+                </a:solidFill>
+              </a:rPr>
+              <a:t>Assess the Quality of Execution of </a:t>
+            </a:r>
+            <a:r>
+              <a:rPr lang="en-US" sz="2400" b="1" dirty="0" smtClean="0"/>
+              <a:t>Weight Lifting </a:t>
+            </a:r>
+            <a:r>
+              <a:rPr lang="en-US" sz="2400" b="1" dirty="0"/>
+              <a:t>E</a:t>
+            </a:r>
+            <a:r>
+              <a:rPr lang="en-US" sz="2400" b="1" dirty="0" smtClean="0"/>
+              <a:t>xercise </a:t>
+            </a:r>
+            <a:endParaRPr lang="en-US" sz="2000" b="1" dirty="0"/>
           </a:p>
         </p:txBody>
       </p:sp>
@@ -7682,9 +7713,22 @@
           </a:xfrm>
         </p:spPr>
         <p:txBody>
-          <a:bodyPr/>
+          <a:bodyPr>
+            <a:normAutofit/>
+          </a:bodyPr>
           <a:lstStyle/>
           <a:p>
+            <a:r>
+              <a:rPr lang="en-US" b="1" dirty="0" smtClean="0">
+                <a:solidFill>
+                  <a:schemeClr val="tx1">
+                    <a:lumMod val="95000"/>
+                    <a:lumOff val="5000"/>
+                  </a:schemeClr>
+                </a:solidFill>
+              </a:rPr>
+              <a:t> </a:t>
+            </a:r>
             <a:r>
               <a:rPr lang="en-US" dirty="0" smtClean="0"/>
               <a:t>By Qing Deng</a:t>
@@ -7740,11 +7784,33 @@
             <p:ph type="title"/>
           </p:nvPr>
         </p:nvSpPr>
-        <p:spPr/>
-        <p:txBody>
-          <a:bodyPr/>
+        <p:spPr>
+          <a:xfrm>
+            <a:off x="2032093" y="294926"/>
+            <a:ext cx="8911687" cy="1280890"/>
+          </a:xfrm>
+        </p:spPr>
+        <p:txBody>
+          <a:bodyPr>
+            <a:normAutofit fontScale="90000"/>
+          </a:bodyPr>
           <a:lstStyle/>
           <a:p>
+            <a:r>
+              <a:rPr lang="en-US" b="1" dirty="0" smtClean="0"/>
+              <a:t>KNN method:</a:t>
+            </a:r>
+            <a:r>
+              <a:rPr lang="en-US" dirty="0" smtClean="0"/>
+              <a:t/>
+            </a:r>
+            <a:br>
+              <a:rPr lang="en-US" dirty="0" smtClean="0"/>
+            </a:br>
+            <a:r>
+              <a:rPr lang="en-US" dirty="0" smtClean="0"/>
+              <a:t>accuracy decrease as k value increase</a:t>
+            </a:r>
             <a:endParaRPr lang="en-US" dirty="0"/>
           </a:p>
         </p:txBody>
@@ -7839,11 +7905,20 @@
             <p:ph type="title"/>
           </p:nvPr>
         </p:nvSpPr>
-        <p:spPr/>
+        <p:spPr>
+          <a:xfrm>
+            <a:off x="1910173" y="429038"/>
+            <a:ext cx="8911687" cy="1280890"/>
+          </a:xfrm>
+        </p:spPr>
         <p:txBody>
           <a:bodyPr/>
           <a:lstStyle/>
           <a:p>
+            <a:r>
+              <a:rPr lang="en-US" dirty="0" smtClean="0"/>
+              <a:t>TREE PLOT:</a:t>
+            </a:r>
             <a:endParaRPr lang="en-US" dirty="0"/>
           </a:p>
         </p:txBody>
@@ -7883,8 +7958,8 @@
         </p:blipFill>
         <p:spPr>
           <a:xfrm>
-            <a:off x="2058991" y="112046"/>
-            <a:ext cx="8096945" cy="6544874"/>
+            <a:off x="2145792" y="1069482"/>
+            <a:ext cx="7046976" cy="5696169"/>
           </a:xfrm>
           <a:prstGeom prst="rect">
             <a:avLst/>
@@ -7895,6 +7970,71 @@
     <p:extLst>
       <p:ext uri="{BB962C8B-B14F-4D97-AF65-F5344CB8AC3E}">
         <p14:creationId xmlns:p14="http://schemas.microsoft.com/office/powerpoint/2010/main" val="463487807"/>
+      </p:ext>
+    </p:extLst>
+  </p:cSld>
+  <p:clrMapOvr>
+    <a:masterClrMapping/>
+  </p:clrMapOvr>
+  <p:timing>
+    <p:tnLst>
+      <p:par>
+        <p:cTn id="1" dur="indefinite" restart="never" nodeType="tmRoot"/>
+      </p:par>
+    </p:tnLst>
+  </p:timing>
+</p:sld>
+</file>
+
+<file path=ppt/slides/slide12.xml><?xml version="1.0" encoding="utf-8"?>
+<p:sld xmlns:a="http://schemas.openxmlformats.org/drawingml/2006/main" xmlns:r="http://schemas.openxmlformats.org/officeDocument/2006/relationships" xmlns:p="http://schemas.openxmlformats.org/presentationml/2006/main">
+  <p:cSld>
+    <p:spTree>
+      <p:nvGrpSpPr>
+        <p:cNvPr id="1" name=""/>
+        <p:cNvGrpSpPr/>
+        <p:nvPr/>
+      </p:nvGrpSpPr>
+      <p:grpSpPr>
+        <a:xfrm>
+          <a:off x="0" y="0"/>
+          <a:ext cx="0" cy="0"/>
+          <a:chOff x="0" y="0"/>
+          <a:chExt cx="0" cy="0"/>
+        </a:xfrm>
+      </p:grpSpPr>
+      <p:sp>
+        <p:nvSpPr>
+          <p:cNvPr id="2" name="Title 1"/>
+          <p:cNvSpPr>
+            <a:spLocks noGrp="1"/>
+          </p:cNvSpPr>
+          <p:nvPr>
+            <p:ph type="title"/>
+          </p:nvPr>
+        </p:nvSpPr>
+        <p:spPr>
+          <a:xfrm>
+            <a:off x="4377593" y="2733326"/>
+            <a:ext cx="8911687" cy="1280890"/>
+          </a:xfrm>
+        </p:spPr>
+        <p:txBody>
+          <a:bodyPr/>
+          <a:lstStyle/>
+          <a:p>
+            <a:r>
+              <a:rPr lang="en-US" b="1" dirty="0" smtClean="0"/>
+              <a:t>Thank you!</a:t>
+            </a:r>
+            <a:endParaRPr lang="en-US" b="1" dirty="0"/>
+          </a:p>
+        </p:txBody>
+      </p:sp>
+    </p:spTree>
+    <p:extLst>
+      <p:ext uri="{BB962C8B-B14F-4D97-AF65-F5344CB8AC3E}">
+        <p14:creationId xmlns:p14="http://schemas.microsoft.com/office/powerpoint/2010/main" val="1510321914"/>
       </p:ext>
     </p:extLst>
   </p:cSld>
@@ -7969,7 +8109,7 @@
         <p:spPr>
           <a:xfrm>
             <a:off x="690820" y="1478697"/>
-            <a:ext cx="6086498" cy="4962444"/>
+            <a:ext cx="6575612" cy="4962444"/>
           </a:xfrm>
         </p:spPr>
         <p:txBody>
@@ -7977,12 +8117,16 @@
           <a:lstStyle/>
           <a:p>
             <a:r>
+              <a:rPr lang="en-US" dirty="0" smtClean="0"/>
+              <a:t>Data </a:t>
+            </a:r>
+            <a:r>
               <a:rPr lang="en-US" dirty="0"/>
-              <a:t>Data are recorded from 9 freedom Razor inertial measurement units (IMU), which provide three-axes acceleration, gyroscope and </a:t>
+              <a:t>are recorded from 9 freedom Razor inertial measurement units (IMU), which provide three-axes acceleration, </a:t>
             </a:r>
             <a:r>
               <a:rPr lang="en-US" dirty="0" smtClean="0"/>
-              <a:t>magnetometer.</a:t>
+              <a:t>gyroscope and magnetometer.</a:t>
             </a:r>
           </a:p>
           <a:p>
@@ -8199,7 +8343,7 @@
           <a:p>
             <a:r>
               <a:rPr lang="en-US" dirty="0" smtClean="0"/>
-              <a:t>N=16,000</a:t>
+              <a:t>N=18,000</a:t>
             </a:r>
             <a:endParaRPr lang="en-US" dirty="0"/>
           </a:p>
@@ -8979,8 +9123,8 @@
         </p:nvSpPr>
         <p:spPr>
           <a:xfrm>
-            <a:off x="9964272" y="629009"/>
-            <a:ext cx="2061884" cy="923330"/>
+            <a:off x="9964272" y="808889"/>
+            <a:ext cx="2061884" cy="646331"/>
           </a:xfrm>
           <a:prstGeom prst="rect">
             <a:avLst/>
@@ -9008,13 +9152,6 @@
               <a:rPr lang="en-US" dirty="0" smtClean="0"/>
               <a:t>Random Forest.</a:t>
             </a:r>
-          </a:p>
-          <a:p>
-            <a:r>
-              <a:rPr lang="en-US" dirty="0" smtClean="0"/>
-              <a:t>(with 10-fold CV)</a:t>
-            </a:r>
-            <a:endParaRPr lang="en-US" dirty="0"/>
           </a:p>
         </p:txBody>
       </p:sp>
@@ -9060,8 +9197,8 @@
         </p:nvSpPr>
         <p:spPr>
           <a:xfrm>
-            <a:off x="10000131" y="1788887"/>
-            <a:ext cx="2061884" cy="923330"/>
+            <a:off x="10000131" y="1968767"/>
+            <a:ext cx="2061884" cy="646331"/>
           </a:xfrm>
           <a:prstGeom prst="rect">
             <a:avLst/>
@@ -9087,17 +9224,11 @@
           <a:p>
             <a:r>
               <a:rPr lang="en-US" dirty="0"/>
-              <a:t>Random Forest.</a:t>
-            </a:r>
-          </a:p>
-          <a:p>
-            <a:r>
-              <a:rPr lang="en-US" dirty="0"/>
-              <a:t>(with 10-fold </a:t>
+              <a:t>Random Forest</a:t>
             </a:r>
             <a:r>
               <a:rPr lang="en-US" dirty="0" smtClean="0"/>
-              <a:t>CV)</a:t>
+              <a:t>.</a:t>
             </a:r>
             <a:endParaRPr lang="en-US" dirty="0"/>
           </a:p>
@@ -9326,8 +9457,8 @@
         </p:nvSpPr>
         <p:spPr>
           <a:xfrm>
-            <a:off x="9950825" y="2902495"/>
-            <a:ext cx="2061884" cy="923330"/>
+            <a:off x="9950825" y="3082375"/>
+            <a:ext cx="2061884" cy="646331"/>
           </a:xfrm>
           <a:prstGeom prst="rect">
             <a:avLst/>
@@ -9353,17 +9484,11 @@
           <a:p>
             <a:r>
               <a:rPr lang="en-US" dirty="0"/>
-              <a:t>Random Forest.</a:t>
-            </a:r>
-          </a:p>
-          <a:p>
-            <a:r>
-              <a:rPr lang="en-US" dirty="0"/>
-              <a:t>(with 10-fold </a:t>
+              <a:t>Random Forest</a:t>
             </a:r>
             <a:r>
               <a:rPr lang="en-US" dirty="0" smtClean="0"/>
-              <a:t>CV)</a:t>
+              <a:t>.</a:t>
             </a:r>
             <a:endParaRPr lang="en-US" dirty="0"/>
           </a:p>
@@ -9411,8 +9536,8 @@
         </p:nvSpPr>
         <p:spPr>
           <a:xfrm>
-            <a:off x="10000131" y="4891164"/>
-            <a:ext cx="2061884" cy="1754326"/>
+            <a:off x="10000131" y="5245720"/>
+            <a:ext cx="2061884" cy="1477328"/>
           </a:xfrm>
           <a:prstGeom prst="rect">
             <a:avLst/>
@@ -9452,80 +9577,6 @@
               <a:rPr lang="en-US" dirty="0" smtClean="0"/>
               <a:t>Neural network</a:t>
             </a:r>
-          </a:p>
-          <a:p>
-            <a:r>
-              <a:rPr lang="en-US" dirty="0" smtClean="0"/>
-              <a:t>(with 10-fold CV)</a:t>
-            </a:r>
-            <a:endParaRPr lang="en-US" dirty="0"/>
-          </a:p>
-        </p:txBody>
-      </p:sp>
-      <p:pic>
-        <p:nvPicPr>
-          <p:cNvPr id="2" name="Picture 1"/>
-          <p:cNvPicPr>
-            <a:picLocks noChangeAspect="1"/>
-          </p:cNvPicPr>
-          <p:nvPr/>
-        </p:nvPicPr>
-        <p:blipFill>
-          <a:blip r:embed="rId2"/>
-          <a:stretch>
-            <a:fillRect/>
-          </a:stretch>
-        </p:blipFill>
-        <p:spPr>
-          <a:xfrm>
-            <a:off x="245133" y="4293168"/>
-            <a:ext cx="3097564" cy="2503805"/>
-          </a:xfrm>
-          <a:prstGeom prst="rect">
-            <a:avLst/>
-          </a:prstGeom>
-        </p:spPr>
-      </p:pic>
-      <p:sp>
-        <p:nvSpPr>
-          <p:cNvPr id="38" name="Down Arrow 37"/>
-          <p:cNvSpPr/>
-          <p:nvPr/>
-        </p:nvSpPr>
-        <p:spPr>
-          <a:xfrm>
-            <a:off x="1309221" y="3169167"/>
-            <a:ext cx="376871" cy="1152523"/>
-          </a:xfrm>
-          <a:prstGeom prst="downArrow">
-            <a:avLst/>
-          </a:prstGeom>
-          <a:solidFill>
-            <a:srgbClr val="0070C0"/>
-          </a:solidFill>
-        </p:spPr>
-        <p:style>
-          <a:lnRef idx="2">
-            <a:schemeClr val="accent1">
-              <a:shade val="50000"/>
-            </a:schemeClr>
-          </a:lnRef>
-          <a:fillRef idx="1">
-            <a:schemeClr val="accent1"/>
-          </a:fillRef>
-          <a:effectRef idx="0">
-            <a:schemeClr val="accent1"/>
-          </a:effectRef>
-          <a:fontRef idx="minor">
-            <a:schemeClr val="lt1"/>
-          </a:fontRef>
-        </p:style>
-        <p:txBody>
-          <a:bodyPr rtlCol="0" anchor="ctr"/>
-          <a:lstStyle/>
-          <a:p>
-            <a:pPr algn="ctr"/>
-            <a:endParaRPr lang="en-US" dirty="0"/>
           </a:p>
         </p:txBody>
       </p:sp>
@@ -9578,8 +9629,8 @@
         </p:nvSpPr>
         <p:spPr>
           <a:xfrm>
-            <a:off x="2441295" y="556874"/>
-            <a:ext cx="8911687" cy="1280890"/>
+            <a:off x="1738807" y="341503"/>
+            <a:ext cx="9982353" cy="1044774"/>
           </a:xfrm>
         </p:spPr>
         <p:txBody>
@@ -9588,39 +9639,23 @@
           <a:p>
             <a:r>
               <a:rPr lang="en-US" dirty="0" smtClean="0"/>
-              <a:t>Optimum K with different train size</a:t>
-            </a:r>
-            <a:endParaRPr lang="en-US" dirty="0"/>
-          </a:p>
-        </p:txBody>
-      </p:sp>
-      <p:sp>
-        <p:nvSpPr>
-          <p:cNvPr id="3" name="Content Placeholder 2"/>
-          <p:cNvSpPr>
-            <a:spLocks noGrp="1"/>
-          </p:cNvSpPr>
-          <p:nvPr>
-            <p:ph idx="1"/>
-          </p:nvPr>
-        </p:nvSpPr>
-        <p:spPr>
-          <a:xfrm>
-            <a:off x="2437582" y="2173942"/>
-            <a:ext cx="8915400" cy="3777622"/>
-          </a:xfrm>
-        </p:spPr>
-        <p:txBody>
-          <a:bodyPr/>
-          <a:lstStyle/>
-          <a:p>
+              <a:t>Find optimum k and </a:t>
+            </a:r>
+            <a:r>
+              <a:rPr lang="en-US" dirty="0" err="1" smtClean="0"/>
+              <a:t>mtry</a:t>
+            </a:r>
+            <a:r>
+              <a:rPr lang="en-US" dirty="0" smtClean="0"/>
+              <a:t> using 10-fold CV</a:t>
+            </a:r>
             <a:endParaRPr lang="en-US" dirty="0"/>
           </a:p>
         </p:txBody>
       </p:sp>
       <p:pic>
         <p:nvPicPr>
-          <p:cNvPr id="6" name="Picture 5"/>
+          <p:cNvPr id="7" name="Picture 6"/>
           <p:cNvPicPr>
             <a:picLocks noChangeAspect="1"/>
           </p:cNvPicPr>
@@ -9634,17 +9669,93 @@
         </p:blipFill>
         <p:spPr>
           <a:xfrm>
-            <a:off x="6117198" y="2173942"/>
-            <a:ext cx="4855602" cy="3128128"/>
+            <a:off x="595290" y="2527510"/>
+            <a:ext cx="5141726" cy="3312458"/>
           </a:xfrm>
           <a:prstGeom prst="rect">
             <a:avLst/>
           </a:prstGeom>
         </p:spPr>
       </p:pic>
+      <p:sp>
+        <p:nvSpPr>
+          <p:cNvPr id="4" name="TextBox 3"/>
+          <p:cNvSpPr txBox="1"/>
+          <p:nvPr/>
+        </p:nvSpPr>
+        <p:spPr>
+          <a:xfrm>
+            <a:off x="453644" y="1633728"/>
+            <a:ext cx="5269062" cy="646331"/>
+          </a:xfrm>
+          <a:prstGeom prst="rect">
+            <a:avLst/>
+          </a:prstGeom>
+          <a:noFill/>
+        </p:spPr>
+        <p:txBody>
+          <a:bodyPr wrap="square" rtlCol="0">
+            <a:spAutoFit/>
+          </a:bodyPr>
+          <a:lstStyle/>
+          <a:p>
+            <a:r>
+              <a:rPr lang="en-US" b="1" dirty="0" smtClean="0"/>
+              <a:t>KNN:</a:t>
+            </a:r>
+          </a:p>
+          <a:p>
+            <a:r>
+              <a:rPr lang="en-US" dirty="0" smtClean="0"/>
+              <a:t>K=5,6,7,8,9,10,12,14,16,18,20,22,24,26,28,30</a:t>
+            </a:r>
+            <a:endParaRPr lang="en-US" dirty="0"/>
+          </a:p>
+        </p:txBody>
+      </p:sp>
+      <p:sp>
+        <p:nvSpPr>
+          <p:cNvPr id="5" name="TextBox 4"/>
+          <p:cNvSpPr txBox="1"/>
+          <p:nvPr/>
+        </p:nvSpPr>
+        <p:spPr>
+          <a:xfrm>
+            <a:off x="6729984" y="1681180"/>
+            <a:ext cx="4803648" cy="646331"/>
+          </a:xfrm>
+          <a:prstGeom prst="rect">
+            <a:avLst/>
+          </a:prstGeom>
+          <a:noFill/>
+        </p:spPr>
+        <p:txBody>
+          <a:bodyPr wrap="square" rtlCol="0">
+            <a:spAutoFit/>
+          </a:bodyPr>
+          <a:lstStyle/>
+          <a:p>
+            <a:r>
+              <a:rPr lang="en-US" b="1" dirty="0" smtClean="0"/>
+              <a:t>Random Forest:</a:t>
+            </a:r>
+          </a:p>
+          <a:p>
+            <a:r>
+              <a:rPr lang="en-US" dirty="0" err="1" smtClean="0"/>
+              <a:t>mtry</a:t>
+            </a:r>
+            <a:r>
+              <a:rPr lang="en-US" dirty="0" smtClean="0"/>
+              <a:t> = 2,4,6,8,10,12 </a:t>
+            </a:r>
+            <a:endParaRPr lang="en-US" dirty="0"/>
+          </a:p>
+        </p:txBody>
+      </p:sp>
       <p:pic>
         <p:nvPicPr>
-          <p:cNvPr id="7" name="Picture 6"/>
+          <p:cNvPr id="8" name="Picture 7"/>
           <p:cNvPicPr>
             <a:picLocks noChangeAspect="1"/>
           </p:cNvPicPr>
@@ -9658,8 +9769,8 @@
         </p:blipFill>
         <p:spPr>
           <a:xfrm>
-            <a:off x="584260" y="2173942"/>
-            <a:ext cx="5141726" cy="3312458"/>
+            <a:off x="6233991" y="2687352"/>
+            <a:ext cx="4677849" cy="3254156"/>
           </a:xfrm>
           <a:prstGeom prst="rect">
             <a:avLst/>
@@ -9899,6 +10010,101 @@
         </p:nvSpPr>
         <p:spPr>
           <a:xfrm>
+            <a:off x="1849213" y="431039"/>
+            <a:ext cx="8911687" cy="1280890"/>
+          </a:xfrm>
+        </p:spPr>
+        <p:txBody>
+          <a:bodyPr/>
+          <a:lstStyle/>
+          <a:p>
+            <a:r>
+              <a:rPr lang="en-US" dirty="0"/>
+              <a:t>Identify the best classification model</a:t>
+            </a:r>
+            <a:br>
+              <a:rPr lang="en-US" dirty="0"/>
+            </a:br>
+            <a:r>
+              <a:rPr lang="en-US" dirty="0"/>
+              <a:t>train=9,000 ; test=9,000</a:t>
+            </a:r>
+          </a:p>
+        </p:txBody>
+      </p:sp>
+      <p:pic>
+        <p:nvPicPr>
+          <p:cNvPr id="6" name="Picture 5"/>
+          <p:cNvPicPr>
+            <a:picLocks noChangeAspect="1"/>
+          </p:cNvPicPr>
+          <p:nvPr/>
+        </p:nvPicPr>
+        <p:blipFill>
+          <a:blip r:embed="rId2"/>
+          <a:stretch>
+            <a:fillRect/>
+          </a:stretch>
+        </p:blipFill>
+        <p:spPr>
+          <a:xfrm>
+            <a:off x="2805452" y="1824170"/>
+            <a:ext cx="6106900" cy="4936294"/>
+          </a:xfrm>
+          <a:prstGeom prst="rect">
+            <a:avLst/>
+          </a:prstGeom>
+        </p:spPr>
+      </p:pic>
+    </p:spTree>
+    <p:extLst>
+      <p:ext uri="{BB962C8B-B14F-4D97-AF65-F5344CB8AC3E}">
+        <p14:creationId xmlns:p14="http://schemas.microsoft.com/office/powerpoint/2010/main" val="3662504572"/>
+      </p:ext>
+    </p:extLst>
+  </p:cSld>
+  <p:clrMapOvr>
+    <a:masterClrMapping/>
+  </p:clrMapOvr>
+  <p:timing>
+    <p:tnLst>
+      <p:par>
+        <p:cTn id="1" dur="indefinite" restart="never" nodeType="tmRoot"/>
+      </p:par>
+    </p:tnLst>
+  </p:timing>
+</p:sld>
+</file>
+
+<file path=ppt/slides/slide8.xml><?xml version="1.0" encoding="utf-8"?>
+<p:sld xmlns:a="http://schemas.openxmlformats.org/drawingml/2006/main" xmlns:r="http://schemas.openxmlformats.org/officeDocument/2006/relationships" xmlns:p="http://schemas.openxmlformats.org/presentationml/2006/main">
+  <p:cSld>
+    <p:spTree>
+      <p:nvGrpSpPr>
+        <p:cNvPr id="1" name=""/>
+        <p:cNvGrpSpPr/>
+        <p:nvPr/>
+      </p:nvGrpSpPr>
+      <p:grpSpPr>
+        <a:xfrm>
+          <a:off x="0" y="0"/>
+          <a:ext cx="0" cy="0"/>
+          <a:chOff x="0" y="0"/>
+          <a:chExt cx="0" cy="0"/>
+        </a:xfrm>
+      </p:grpSpPr>
+      <p:sp>
+        <p:nvSpPr>
+          <p:cNvPr id="2" name="Title 1"/>
+          <p:cNvSpPr>
+            <a:spLocks noGrp="1"/>
+          </p:cNvSpPr>
+          <p:nvPr>
+            <p:ph type="title"/>
+          </p:nvPr>
+        </p:nvSpPr>
+        <p:spPr>
+          <a:xfrm>
             <a:off x="1758312" y="474937"/>
             <a:ext cx="8911687" cy="962643"/>
           </a:xfrm>
@@ -9938,14 +10144,14 @@
             <p:ph idx="1"/>
             <p:extLst>
               <p:ext uri="{D42A27DB-BD31-4B8C-83A1-F6EECF244321}">
-                <p14:modId xmlns:p14="http://schemas.microsoft.com/office/powerpoint/2010/main" val="1721122452"/>
+                <p14:modId xmlns:p14="http://schemas.microsoft.com/office/powerpoint/2010/main" val="812003776"/>
               </p:ext>
             </p:extLst>
           </p:nvPr>
         </p:nvGraphicFramePr>
         <p:xfrm>
-          <a:off x="1085088" y="2243327"/>
-          <a:ext cx="9265920" cy="3255264"/>
+          <a:off x="1130091" y="2048255"/>
+          <a:ext cx="10168127" cy="3938016"/>
         </p:xfrm>
         <a:graphic>
           <a:graphicData uri="http://schemas.openxmlformats.org/drawingml/2006/table">
@@ -9954,12 +10160,12 @@
                 <a:tableStyleId>{5C22544A-7EE6-4342-B048-85BDC9FD1C3A}</a:tableStyleId>
               </a:tblPr>
               <a:tblGrid>
-                <a:gridCol w="1058151"/>
-                <a:gridCol w="1769099"/>
-                <a:gridCol w="3218547"/>
-                <a:gridCol w="3220123"/>
+                <a:gridCol w="1161181"/>
+                <a:gridCol w="1941353"/>
+                <a:gridCol w="3531932"/>
+                <a:gridCol w="3533661"/>
               </a:tblGrid>
-              <a:tr h="390369">
+              <a:tr h="472244">
                 <a:tc>
                   <a:txBody>
                     <a:bodyPr/>
@@ -10053,7 +10259,7 @@
                   <a:tcPr marL="9525" marR="9525" marT="9525" marB="0" anchor="ctr"/>
                 </a:tc>
               </a:tr>
-              <a:tr h="406367">
+              <a:tr h="491598">
                 <a:tc>
                   <a:txBody>
                     <a:bodyPr/>
@@ -10147,7 +10353,7 @@
                   <a:tcPr marL="9525" marR="9525" marT="9525" marB="0" anchor="ctr"/>
                 </a:tc>
               </a:tr>
-              <a:tr h="390369">
+              <a:tr h="472244">
                 <a:tc>
                   <a:txBody>
                     <a:bodyPr/>
@@ -10241,7 +10447,7 @@
                   <a:tcPr marL="9525" marR="9525" marT="9525" marB="0" anchor="ctr"/>
                 </a:tc>
               </a:tr>
-              <a:tr h="390369">
+              <a:tr h="472244">
                 <a:tc>
                   <a:txBody>
                     <a:bodyPr/>
@@ -10335,7 +10541,7 @@
                   <a:tcPr marL="9525" marR="9525" marT="9525" marB="0" anchor="ctr"/>
                 </a:tc>
               </a:tr>
-              <a:tr h="390369">
+              <a:tr h="472244">
                 <a:tc>
                   <a:txBody>
                     <a:bodyPr/>
@@ -10429,7 +10635,7 @@
                   <a:tcPr marL="9525" marR="9525" marT="9525" marB="0" anchor="ctr"/>
                 </a:tc>
               </a:tr>
-              <a:tr h="390369">
+              <a:tr h="472244">
                 <a:tc>
                   <a:txBody>
                     <a:bodyPr/>
@@ -10523,7 +10729,7 @@
                   <a:tcPr marL="9525" marR="9525" marT="9525" marB="0" anchor="ctr"/>
                 </a:tc>
               </a:tr>
-              <a:tr h="390369">
+              <a:tr h="472244">
                 <a:tc>
                   <a:txBody>
                     <a:bodyPr/>
@@ -10617,7 +10823,7 @@
                   <a:tcPr marL="9525" marR="9525" marT="9525" marB="0" anchor="ctr"/>
                 </a:tc>
               </a:tr>
-              <a:tr h="506683">
+              <a:tr h="612954">
                 <a:tc>
                   <a:txBody>
                     <a:bodyPr/>
@@ -10732,122 +10938,6 @@
       </p:par>
     </p:tnLst>
   </p:timing>
-</p:sld>
-</file>
-
-<file path=ppt/slides/slide8.xml><?xml version="1.0" encoding="utf-8"?>
-<p:sld xmlns:a="http://schemas.openxmlformats.org/drawingml/2006/main" xmlns:r="http://schemas.openxmlformats.org/officeDocument/2006/relationships" xmlns:p="http://schemas.openxmlformats.org/presentationml/2006/main">
-  <p:cSld>
-    <p:spTree>
-      <p:nvGrpSpPr>
-        <p:cNvPr id="1" name=""/>
-        <p:cNvGrpSpPr/>
-        <p:nvPr/>
-      </p:nvGrpSpPr>
-      <p:grpSpPr>
-        <a:xfrm>
-          <a:off x="0" y="0"/>
-          <a:ext cx="0" cy="0"/>
-          <a:chOff x="0" y="0"/>
-          <a:chExt cx="0" cy="0"/>
-        </a:xfrm>
-      </p:grpSpPr>
-      <p:sp>
-        <p:nvSpPr>
-          <p:cNvPr id="2" name="Title 1"/>
-          <p:cNvSpPr>
-            <a:spLocks noGrp="1"/>
-          </p:cNvSpPr>
-          <p:nvPr>
-            <p:ph type="title"/>
-          </p:nvPr>
-        </p:nvSpPr>
-        <p:spPr/>
-        <p:txBody>
-          <a:bodyPr/>
-          <a:lstStyle/>
-          <a:p>
-            <a:endParaRPr lang="en-US"/>
-          </a:p>
-        </p:txBody>
-      </p:sp>
-      <p:sp>
-        <p:nvSpPr>
-          <p:cNvPr id="3" name="Content Placeholder 2"/>
-          <p:cNvSpPr>
-            <a:spLocks noGrp="1"/>
-          </p:cNvSpPr>
-          <p:nvPr>
-            <p:ph idx="1"/>
-          </p:nvPr>
-        </p:nvSpPr>
-        <p:spPr/>
-        <p:txBody>
-          <a:bodyPr/>
-          <a:lstStyle/>
-          <a:p>
-            <a:endParaRPr lang="en-US"/>
-          </a:p>
-        </p:txBody>
-      </p:sp>
-      <p:pic>
-        <p:nvPicPr>
-          <p:cNvPr id="5" name="Picture 4"/>
-          <p:cNvPicPr>
-            <a:picLocks noChangeAspect="1"/>
-          </p:cNvPicPr>
-          <p:nvPr/>
-        </p:nvPicPr>
-        <p:blipFill>
-          <a:blip r:embed="rId2"/>
-          <a:stretch>
-            <a:fillRect/>
-          </a:stretch>
-        </p:blipFill>
-        <p:spPr>
-          <a:xfrm>
-            <a:off x="6146672" y="2976943"/>
-            <a:ext cx="4851161" cy="2326577"/>
-          </a:xfrm>
-          <a:prstGeom prst="rect">
-            <a:avLst/>
-          </a:prstGeom>
-        </p:spPr>
-      </p:pic>
-      <p:pic>
-        <p:nvPicPr>
-          <p:cNvPr id="6" name="Picture 5"/>
-          <p:cNvPicPr>
-            <a:picLocks noChangeAspect="1"/>
-          </p:cNvPicPr>
-          <p:nvPr/>
-        </p:nvPicPr>
-        <p:blipFill>
-          <a:blip r:embed="rId3"/>
-          <a:stretch>
-            <a:fillRect/>
-          </a:stretch>
-        </p:blipFill>
-        <p:spPr>
-          <a:xfrm>
-            <a:off x="732813" y="2068829"/>
-            <a:ext cx="4753588" cy="3842393"/>
-          </a:xfrm>
-          <a:prstGeom prst="rect">
-            <a:avLst/>
-          </a:prstGeom>
-        </p:spPr>
-      </p:pic>
-    </p:spTree>
-    <p:extLst>
-      <p:ext uri="{BB962C8B-B14F-4D97-AF65-F5344CB8AC3E}">
-        <p14:creationId xmlns:p14="http://schemas.microsoft.com/office/powerpoint/2010/main" val="3662504572"/>
-      </p:ext>
-    </p:extLst>
-  </p:cSld>
-  <p:clrMapOvr>
-    <a:masterClrMapping/>
-  </p:clrMapOvr>
 </p:sld>
 </file>
 
